--- a/gc/gc.pptx
+++ b/gc/gc.pptx
@@ -496,6 +496,90 @@
 </file>
 
 <file path=ppt/notesSlides/notesSlide1.xml><?xml version="1.0" encoding="utf-8"?>
+<p:notes xmlns:a="http://schemas.openxmlformats.org/drawingml/2006/main" xmlns:r="http://schemas.openxmlformats.org/officeDocument/2006/relationships" xmlns:p="http://schemas.openxmlformats.org/presentationml/2006/main">
+  <p:cSld>
+    <p:spTree>
+      <p:nvGrpSpPr>
+        <p:cNvPr id="1" name=""/>
+        <p:cNvGrpSpPr/>
+        <p:nvPr/>
+      </p:nvGrpSpPr>
+      <p:grpSpPr>
+        <a:xfrm>
+          <a:off x="0" y="0"/>
+          <a:ext cx="0" cy="0"/>
+          <a:chOff x="0" y="0"/>
+          <a:chExt cx="0" cy="0"/>
+        </a:xfrm>
+      </p:grpSpPr>
+      <p:sp>
+        <p:nvSpPr>
+          <p:cNvPr id="2" name="Slide Image Placeholder 1"/>
+          <p:cNvSpPr>
+            <a:spLocks noGrp="1" noRot="1" noChangeAspect="1"/>
+          </p:cNvSpPr>
+          <p:nvPr>
+            <p:ph type="sldImg"/>
+          </p:nvPr>
+        </p:nvSpPr>
+        <p:spPr/>
+      </p:sp>
+      <p:sp>
+        <p:nvSpPr>
+          <p:cNvPr id="3" name="Notes Placeholder 2"/>
+          <p:cNvSpPr>
+            <a:spLocks noGrp="1"/>
+          </p:cNvSpPr>
+          <p:nvPr>
+            <p:ph type="body" idx="1"/>
+          </p:nvPr>
+        </p:nvSpPr>
+        <p:spPr/>
+        <p:txBody>
+          <a:bodyPr/>
+          <a:lstStyle/>
+          <a:p>
+            <a:endParaRPr lang="en-US" dirty="0"/>
+          </a:p>
+        </p:txBody>
+      </p:sp>
+      <p:sp>
+        <p:nvSpPr>
+          <p:cNvPr id="4" name="Slide Number Placeholder 3"/>
+          <p:cNvSpPr>
+            <a:spLocks noGrp="1"/>
+          </p:cNvSpPr>
+          <p:nvPr>
+            <p:ph type="sldNum" sz="quarter" idx="5"/>
+          </p:nvPr>
+        </p:nvSpPr>
+        <p:spPr/>
+        <p:txBody>
+          <a:bodyPr/>
+          <a:lstStyle/>
+          <a:p>
+            <a:fld id="{8FF756BE-ACBD-4B33-A07B-E4AAE188AD09}" type="slidenum">
+              <a:rPr lang="en-US" smtClean="0"/>
+              <a:t>1</a:t>
+            </a:fld>
+            <a:endParaRPr lang="en-US"/>
+          </a:p>
+        </p:txBody>
+      </p:sp>
+    </p:spTree>
+    <p:extLst>
+      <p:ext uri="{BB962C8B-B14F-4D97-AF65-F5344CB8AC3E}">
+        <p14:creationId xmlns:p14="http://schemas.microsoft.com/office/powerpoint/2010/main" val="2451651432"/>
+      </p:ext>
+    </p:extLst>
+  </p:cSld>
+  <p:clrMapOvr>
+    <a:masterClrMapping/>
+  </p:clrMapOvr>
+</p:notes>
+</file>
+
+<file path=ppt/notesSlides/notesSlide2.xml><?xml version="1.0" encoding="utf-8"?>
 <p:notes xmlns:a="http://schemas.openxmlformats.org/drawingml/2006/main" xmlns:r="http://schemas.openxmlformats.org/officeDocument/2006/relationships" xmlns:p="http://schemas.openxmlformats.org/presentationml/2006/main">
   <p:cSld>
     <p:spTree>
@@ -3994,7 +4078,7 @@
         <p:spPr>
           <a:xfrm>
             <a:off x="1817915" y="5279573"/>
-            <a:ext cx="8032968" cy="646331"/>
+            <a:ext cx="7802136" cy="646331"/>
           </a:xfrm>
           <a:prstGeom prst="rect">
             <a:avLst/>
@@ -4012,11 +4096,41 @@
                 <a:latin typeface="Arial" panose="020B0604020202020204" pitchFamily="34" charset="0"/>
                 <a:cs typeface="Arial" panose="020B0604020202020204" pitchFamily="34" charset="0"/>
               </a:rPr>
-              <a:t>http://fodorclasses.github.io/gc/gc.pptx</a:t>
-            </a:r>
-          </a:p>
-        </p:txBody>
-      </p:sp>
+              <a:t>http://fodorclasses.github.io/gc/gc.pdf</a:t>
+            </a:r>
+          </a:p>
+        </p:txBody>
+      </p:sp>
+      <p:pic>
+        <p:nvPicPr>
+          <p:cNvPr id="6" name="Picture 5">
+            <a:extLst>
+              <a:ext uri="{FF2B5EF4-FFF2-40B4-BE49-F238E27FC236}">
+                <a16:creationId xmlns:a16="http://schemas.microsoft.com/office/drawing/2014/main" id="{950A3137-4E39-B0AB-1D93-AEE8BD35E81F}"/>
+              </a:ext>
+            </a:extLst>
+          </p:cNvPr>
+          <p:cNvPicPr>
+            <a:picLocks noChangeAspect="1"/>
+          </p:cNvPicPr>
+          <p:nvPr/>
+        </p:nvPicPr>
+        <p:blipFill>
+          <a:blip r:embed="rId3"/>
+          <a:stretch>
+            <a:fillRect/>
+          </a:stretch>
+        </p:blipFill>
+        <p:spPr>
+          <a:xfrm>
+            <a:off x="0" y="4991053"/>
+            <a:ext cx="1819509" cy="1809112"/>
+          </a:xfrm>
+          <a:prstGeom prst="rect">
+            <a:avLst/>
+          </a:prstGeom>
+        </p:spPr>
+      </p:pic>
     </p:spTree>
     <p:extLst>
       <p:ext uri="{BB962C8B-B14F-4D97-AF65-F5344CB8AC3E}">
@@ -6775,6 +6889,36 @@
           </a:p>
         </p:txBody>
       </p:sp>
+      <p:pic>
+        <p:nvPicPr>
+          <p:cNvPr id="2" name="Picture 1">
+            <a:extLst>
+              <a:ext uri="{FF2B5EF4-FFF2-40B4-BE49-F238E27FC236}">
+                <a16:creationId xmlns:a16="http://schemas.microsoft.com/office/drawing/2014/main" id="{9919DCA3-21BF-5B78-6B81-6C7AE8F0A0C4}"/>
+              </a:ext>
+            </a:extLst>
+          </p:cNvPr>
+          <p:cNvPicPr>
+            <a:picLocks noChangeAspect="1"/>
+          </p:cNvPicPr>
+          <p:nvPr/>
+        </p:nvPicPr>
+        <p:blipFill>
+          <a:blip r:embed="rId4"/>
+          <a:stretch>
+            <a:fillRect/>
+          </a:stretch>
+        </p:blipFill>
+        <p:spPr>
+          <a:xfrm>
+            <a:off x="0" y="4991053"/>
+            <a:ext cx="1819509" cy="1809112"/>
+          </a:xfrm>
+          <a:prstGeom prst="rect">
+            <a:avLst/>
+          </a:prstGeom>
+        </p:spPr>
+      </p:pic>
     </p:spTree>
     <p:extLst>
       <p:ext uri="{BB962C8B-B14F-4D97-AF65-F5344CB8AC3E}">
@@ -7196,6 +7340,71 @@
           </a:p>
         </p:txBody>
       </p:sp>
+      <p:sp>
+        <p:nvSpPr>
+          <p:cNvPr id="6" name="TextBox 5">
+            <a:extLst>
+              <a:ext uri="{FF2B5EF4-FFF2-40B4-BE49-F238E27FC236}">
+                <a16:creationId xmlns:a16="http://schemas.microsoft.com/office/drawing/2014/main" id="{2BB7D193-7BF9-46D0-A7CE-13AE20609931}"/>
+              </a:ext>
+            </a:extLst>
+          </p:cNvPr>
+          <p:cNvSpPr txBox="1"/>
+          <p:nvPr/>
+        </p:nvSpPr>
+        <p:spPr>
+          <a:xfrm>
+            <a:off x="1923739" y="6250607"/>
+            <a:ext cx="7217229" cy="369332"/>
+          </a:xfrm>
+          <a:prstGeom prst="rect">
+            <a:avLst/>
+          </a:prstGeom>
+          <a:noFill/>
+        </p:spPr>
+        <p:txBody>
+          <a:bodyPr wrap="square">
+            <a:spAutoFit/>
+          </a:bodyPr>
+          <a:lstStyle/>
+          <a:p>
+            <a:r>
+              <a:rPr lang="en-US" dirty="0"/>
+              <a:t>https://www.biorxiv.org/content/10.1101/2025.06.18.660363v1</a:t>
+            </a:r>
+          </a:p>
+        </p:txBody>
+      </p:sp>
+      <p:pic>
+        <p:nvPicPr>
+          <p:cNvPr id="8" name="Picture 7">
+            <a:extLst>
+              <a:ext uri="{FF2B5EF4-FFF2-40B4-BE49-F238E27FC236}">
+                <a16:creationId xmlns:a16="http://schemas.microsoft.com/office/drawing/2014/main" id="{0BF136D5-B714-020F-8862-4F42FC260835}"/>
+              </a:ext>
+            </a:extLst>
+          </p:cNvPr>
+          <p:cNvPicPr>
+            <a:picLocks noChangeAspect="1"/>
+          </p:cNvPicPr>
+          <p:nvPr/>
+        </p:nvPicPr>
+        <p:blipFill>
+          <a:blip r:embed="rId4"/>
+          <a:stretch>
+            <a:fillRect/>
+          </a:stretch>
+        </p:blipFill>
+        <p:spPr>
+          <a:xfrm>
+            <a:off x="340969" y="5006838"/>
+            <a:ext cx="1574209" cy="1647730"/>
+          </a:xfrm>
+          <a:prstGeom prst="rect">
+            <a:avLst/>
+          </a:prstGeom>
+        </p:spPr>
+      </p:pic>
     </p:spTree>
     <p:extLst>
       <p:ext uri="{BB962C8B-B14F-4D97-AF65-F5344CB8AC3E}">
@@ -7449,6 +7658,71 @@
           </a:p>
         </p:txBody>
       </p:sp>
+      <p:sp>
+        <p:nvSpPr>
+          <p:cNvPr id="2" name="TextBox 1">
+            <a:extLst>
+              <a:ext uri="{FF2B5EF4-FFF2-40B4-BE49-F238E27FC236}">
+                <a16:creationId xmlns:a16="http://schemas.microsoft.com/office/drawing/2014/main" id="{97B2DEBE-217C-78EF-A883-76AACE987491}"/>
+              </a:ext>
+            </a:extLst>
+          </p:cNvPr>
+          <p:cNvSpPr txBox="1"/>
+          <p:nvPr/>
+        </p:nvSpPr>
+        <p:spPr>
+          <a:xfrm>
+            <a:off x="1923739" y="6261493"/>
+            <a:ext cx="7217229" cy="369332"/>
+          </a:xfrm>
+          <a:prstGeom prst="rect">
+            <a:avLst/>
+          </a:prstGeom>
+          <a:noFill/>
+        </p:spPr>
+        <p:txBody>
+          <a:bodyPr wrap="square">
+            <a:spAutoFit/>
+          </a:bodyPr>
+          <a:lstStyle/>
+          <a:p>
+            <a:r>
+              <a:rPr lang="en-US" dirty="0"/>
+              <a:t>https://www.biorxiv.org/content/10.1101/2025.06.18.660363v1</a:t>
+            </a:r>
+          </a:p>
+        </p:txBody>
+      </p:sp>
+      <p:pic>
+        <p:nvPicPr>
+          <p:cNvPr id="3" name="Picture 2">
+            <a:extLst>
+              <a:ext uri="{FF2B5EF4-FFF2-40B4-BE49-F238E27FC236}">
+                <a16:creationId xmlns:a16="http://schemas.microsoft.com/office/drawing/2014/main" id="{70693763-DAA8-0E2B-FE2A-74A2B8037BF0}"/>
+              </a:ext>
+            </a:extLst>
+          </p:cNvPr>
+          <p:cNvPicPr>
+            <a:picLocks noChangeAspect="1"/>
+          </p:cNvPicPr>
+          <p:nvPr/>
+        </p:nvPicPr>
+        <p:blipFill>
+          <a:blip r:embed="rId3"/>
+          <a:stretch>
+            <a:fillRect/>
+          </a:stretch>
+        </p:blipFill>
+        <p:spPr>
+          <a:xfrm>
+            <a:off x="340969" y="5017724"/>
+            <a:ext cx="1574209" cy="1647730"/>
+          </a:xfrm>
+          <a:prstGeom prst="rect">
+            <a:avLst/>
+          </a:prstGeom>
+        </p:spPr>
+      </p:pic>
     </p:spTree>
     <p:extLst>
       <p:ext uri="{BB962C8B-B14F-4D97-AF65-F5344CB8AC3E}">
@@ -7779,6 +8053,71 @@
           </a:p>
         </p:txBody>
       </p:sp>
+      <p:sp>
+        <p:nvSpPr>
+          <p:cNvPr id="2" name="TextBox 1">
+            <a:extLst>
+              <a:ext uri="{FF2B5EF4-FFF2-40B4-BE49-F238E27FC236}">
+                <a16:creationId xmlns:a16="http://schemas.microsoft.com/office/drawing/2014/main" id="{50D9D580-1360-E572-A16F-EBD02FAE06BF}"/>
+              </a:ext>
+            </a:extLst>
+          </p:cNvPr>
+          <p:cNvSpPr txBox="1"/>
+          <p:nvPr/>
+        </p:nvSpPr>
+        <p:spPr>
+          <a:xfrm>
+            <a:off x="1923739" y="6250607"/>
+            <a:ext cx="7217229" cy="369332"/>
+          </a:xfrm>
+          <a:prstGeom prst="rect">
+            <a:avLst/>
+          </a:prstGeom>
+          <a:noFill/>
+        </p:spPr>
+        <p:txBody>
+          <a:bodyPr wrap="square">
+            <a:spAutoFit/>
+          </a:bodyPr>
+          <a:lstStyle/>
+          <a:p>
+            <a:r>
+              <a:rPr lang="en-US" dirty="0"/>
+              <a:t>https://www.biorxiv.org/content/10.1101/2025.06.18.660363v1</a:t>
+            </a:r>
+          </a:p>
+        </p:txBody>
+      </p:sp>
+      <p:pic>
+        <p:nvPicPr>
+          <p:cNvPr id="3" name="Picture 2">
+            <a:extLst>
+              <a:ext uri="{FF2B5EF4-FFF2-40B4-BE49-F238E27FC236}">
+                <a16:creationId xmlns:a16="http://schemas.microsoft.com/office/drawing/2014/main" id="{D4BA5E89-E283-2BF7-E9C7-D4A7F9E1753C}"/>
+              </a:ext>
+            </a:extLst>
+          </p:cNvPr>
+          <p:cNvPicPr>
+            <a:picLocks noChangeAspect="1"/>
+          </p:cNvPicPr>
+          <p:nvPr/>
+        </p:nvPicPr>
+        <p:blipFill>
+          <a:blip r:embed="rId3"/>
+          <a:stretch>
+            <a:fillRect/>
+          </a:stretch>
+        </p:blipFill>
+        <p:spPr>
+          <a:xfrm>
+            <a:off x="340969" y="5006838"/>
+            <a:ext cx="1574209" cy="1647730"/>
+          </a:xfrm>
+          <a:prstGeom prst="rect">
+            <a:avLst/>
+          </a:prstGeom>
+        </p:spPr>
+      </p:pic>
     </p:spTree>
     <p:extLst>
       <p:ext uri="{BB962C8B-B14F-4D97-AF65-F5344CB8AC3E}">
@@ -8628,6 +8967,71 @@
           </a:fontRef>
         </p:style>
       </p:cxnSp>
+      <p:sp>
+        <p:nvSpPr>
+          <p:cNvPr id="2" name="TextBox 1">
+            <a:extLst>
+              <a:ext uri="{FF2B5EF4-FFF2-40B4-BE49-F238E27FC236}">
+                <a16:creationId xmlns:a16="http://schemas.microsoft.com/office/drawing/2014/main" id="{24B77A0C-C128-96C1-9BDA-0ABB00707112}"/>
+              </a:ext>
+            </a:extLst>
+          </p:cNvPr>
+          <p:cNvSpPr txBox="1"/>
+          <p:nvPr/>
+        </p:nvSpPr>
+        <p:spPr>
+          <a:xfrm>
+            <a:off x="1923739" y="6272379"/>
+            <a:ext cx="7217229" cy="369332"/>
+          </a:xfrm>
+          <a:prstGeom prst="rect">
+            <a:avLst/>
+          </a:prstGeom>
+          <a:noFill/>
+        </p:spPr>
+        <p:txBody>
+          <a:bodyPr wrap="square">
+            <a:spAutoFit/>
+          </a:bodyPr>
+          <a:lstStyle/>
+          <a:p>
+            <a:r>
+              <a:rPr lang="en-US" dirty="0"/>
+              <a:t>https://www.biorxiv.org/content/10.1101/2025.06.18.660363v1</a:t>
+            </a:r>
+          </a:p>
+        </p:txBody>
+      </p:sp>
+      <p:pic>
+        <p:nvPicPr>
+          <p:cNvPr id="3" name="Picture 2">
+            <a:extLst>
+              <a:ext uri="{FF2B5EF4-FFF2-40B4-BE49-F238E27FC236}">
+                <a16:creationId xmlns:a16="http://schemas.microsoft.com/office/drawing/2014/main" id="{A92F0FA7-C169-8B17-F606-A659856C9431}"/>
+              </a:ext>
+            </a:extLst>
+          </p:cNvPr>
+          <p:cNvPicPr>
+            <a:picLocks noChangeAspect="1"/>
+          </p:cNvPicPr>
+          <p:nvPr/>
+        </p:nvPicPr>
+        <p:blipFill>
+          <a:blip r:embed="rId3"/>
+          <a:stretch>
+            <a:fillRect/>
+          </a:stretch>
+        </p:blipFill>
+        <p:spPr>
+          <a:xfrm>
+            <a:off x="340969" y="5028610"/>
+            <a:ext cx="1574209" cy="1647730"/>
+          </a:xfrm>
+          <a:prstGeom prst="rect">
+            <a:avLst/>
+          </a:prstGeom>
+        </p:spPr>
+      </p:pic>
     </p:spTree>
     <p:extLst>
       <p:ext uri="{BB962C8B-B14F-4D97-AF65-F5344CB8AC3E}">
